--- a/소켓프로그래밍-1.pptx
+++ b/소켓프로그래밍-1.pptx
@@ -26,13 +26,12 @@
     <p:sldId id="273" r:id="rId20"/>
     <p:sldId id="283" r:id="rId21"/>
     <p:sldId id="284" r:id="rId22"/>
-    <p:sldId id="282" r:id="rId23"/>
-    <p:sldId id="274" r:id="rId24"/>
-    <p:sldId id="275" r:id="rId25"/>
-    <p:sldId id="276" r:id="rId26"/>
-    <p:sldId id="277" r:id="rId27"/>
-    <p:sldId id="278" r:id="rId28"/>
-    <p:sldId id="257" r:id="rId29"/>
+    <p:sldId id="274" r:id="rId23"/>
+    <p:sldId id="275" r:id="rId24"/>
+    <p:sldId id="276" r:id="rId25"/>
+    <p:sldId id="277" r:id="rId26"/>
+    <p:sldId id="278" r:id="rId27"/>
+    <p:sldId id="257" r:id="rId28"/>
   </p:sldIdLst>
   <p:sldSz cx="12192000" cy="6858000"/>
   <p:notesSz cx="6858000" cy="9144000"/>
@@ -3590,6 +3589,228 @@
           </a:fontRef>
         </p:style>
       </p:cxnSp>
+      <p:sp>
+        <p:nvSpPr>
+          <p:cNvPr id="9" name="부제목 2">
+            <a:extLst>
+              <a:ext uri="{FF2B5EF4-FFF2-40B4-BE49-F238E27FC236}">
+                <a16:creationId xmlns:a16="http://schemas.microsoft.com/office/drawing/2014/main" id="{DBE85B6B-D532-4A0D-82F0-98FE142B5B0F}"/>
+              </a:ext>
+            </a:extLst>
+          </p:cNvPr>
+          <p:cNvSpPr txBox="1">
+            <a:spLocks/>
+          </p:cNvSpPr>
+          <p:nvPr/>
+        </p:nvSpPr>
+        <p:spPr>
+          <a:xfrm>
+            <a:off x="4335116" y="3975654"/>
+            <a:ext cx="3071194" cy="1621940"/>
+          </a:xfrm>
+          <a:prstGeom prst="rect">
+            <a:avLst/>
+          </a:prstGeom>
+        </p:spPr>
+        <p:txBody>
+          <a:bodyPr vert="horz" lIns="91440" tIns="45720" rIns="91440" bIns="45720" rtlCol="0">
+            <a:normAutofit/>
+          </a:bodyPr>
+          <a:lstStyle>
+            <a:lvl1pPr marL="0" indent="0" algn="ctr" defTabSz="914400" rtl="0" eaLnBrk="1" latinLnBrk="1" hangingPunct="1">
+              <a:lnSpc>
+                <a:spcPct val="90000"/>
+              </a:lnSpc>
+              <a:spcBef>
+                <a:spcPts val="1000"/>
+              </a:spcBef>
+              <a:buFont typeface="Arial" panose="020B0604020202020204" pitchFamily="34" charset="0"/>
+              <a:buNone/>
+              <a:defRPr sz="2400" kern="1200">
+                <a:solidFill>
+                  <a:schemeClr val="tx1"/>
+                </a:solidFill>
+                <a:latin typeface="+mn-lt"/>
+                <a:ea typeface="+mn-ea"/>
+                <a:cs typeface="+mn-cs"/>
+              </a:defRPr>
+            </a:lvl1pPr>
+            <a:lvl2pPr marL="457200" indent="0" algn="ctr" defTabSz="914400" rtl="0" eaLnBrk="1" latinLnBrk="1" hangingPunct="1">
+              <a:lnSpc>
+                <a:spcPct val="90000"/>
+              </a:lnSpc>
+              <a:spcBef>
+                <a:spcPts val="500"/>
+              </a:spcBef>
+              <a:buFont typeface="Arial" panose="020B0604020202020204" pitchFamily="34" charset="0"/>
+              <a:buNone/>
+              <a:defRPr sz="2000" kern="1200">
+                <a:solidFill>
+                  <a:schemeClr val="tx1"/>
+                </a:solidFill>
+                <a:latin typeface="+mn-lt"/>
+                <a:ea typeface="+mn-ea"/>
+                <a:cs typeface="+mn-cs"/>
+              </a:defRPr>
+            </a:lvl2pPr>
+            <a:lvl3pPr marL="914400" indent="0" algn="ctr" defTabSz="914400" rtl="0" eaLnBrk="1" latinLnBrk="1" hangingPunct="1">
+              <a:lnSpc>
+                <a:spcPct val="90000"/>
+              </a:lnSpc>
+              <a:spcBef>
+                <a:spcPts val="500"/>
+              </a:spcBef>
+              <a:buFont typeface="Arial" panose="020B0604020202020204" pitchFamily="34" charset="0"/>
+              <a:buNone/>
+              <a:defRPr sz="1800" kern="1200">
+                <a:solidFill>
+                  <a:schemeClr val="tx1"/>
+                </a:solidFill>
+                <a:latin typeface="+mn-lt"/>
+                <a:ea typeface="+mn-ea"/>
+                <a:cs typeface="+mn-cs"/>
+              </a:defRPr>
+            </a:lvl3pPr>
+            <a:lvl4pPr marL="1371600" indent="0" algn="ctr" defTabSz="914400" rtl="0" eaLnBrk="1" latinLnBrk="1" hangingPunct="1">
+              <a:lnSpc>
+                <a:spcPct val="90000"/>
+              </a:lnSpc>
+              <a:spcBef>
+                <a:spcPts val="500"/>
+              </a:spcBef>
+              <a:buFont typeface="Arial" panose="020B0604020202020204" pitchFamily="34" charset="0"/>
+              <a:buNone/>
+              <a:defRPr sz="1600" kern="1200">
+                <a:solidFill>
+                  <a:schemeClr val="tx1"/>
+                </a:solidFill>
+                <a:latin typeface="+mn-lt"/>
+                <a:ea typeface="+mn-ea"/>
+                <a:cs typeface="+mn-cs"/>
+              </a:defRPr>
+            </a:lvl4pPr>
+            <a:lvl5pPr marL="1828800" indent="0" algn="ctr" defTabSz="914400" rtl="0" eaLnBrk="1" latinLnBrk="1" hangingPunct="1">
+              <a:lnSpc>
+                <a:spcPct val="90000"/>
+              </a:lnSpc>
+              <a:spcBef>
+                <a:spcPts val="500"/>
+              </a:spcBef>
+              <a:buFont typeface="Arial" panose="020B0604020202020204" pitchFamily="34" charset="0"/>
+              <a:buNone/>
+              <a:defRPr sz="1600" kern="1200">
+                <a:solidFill>
+                  <a:schemeClr val="tx1"/>
+                </a:solidFill>
+                <a:latin typeface="+mn-lt"/>
+                <a:ea typeface="+mn-ea"/>
+                <a:cs typeface="+mn-cs"/>
+              </a:defRPr>
+            </a:lvl5pPr>
+            <a:lvl6pPr marL="2286000" indent="0" algn="ctr" defTabSz="914400" rtl="0" eaLnBrk="1" latinLnBrk="1" hangingPunct="1">
+              <a:lnSpc>
+                <a:spcPct val="90000"/>
+              </a:lnSpc>
+              <a:spcBef>
+                <a:spcPts val="500"/>
+              </a:spcBef>
+              <a:buFont typeface="Arial" panose="020B0604020202020204" pitchFamily="34" charset="0"/>
+              <a:buNone/>
+              <a:defRPr sz="1600" kern="1200">
+                <a:solidFill>
+                  <a:schemeClr val="tx1"/>
+                </a:solidFill>
+                <a:latin typeface="+mn-lt"/>
+                <a:ea typeface="+mn-ea"/>
+                <a:cs typeface="+mn-cs"/>
+              </a:defRPr>
+            </a:lvl6pPr>
+            <a:lvl7pPr marL="2743200" indent="0" algn="ctr" defTabSz="914400" rtl="0" eaLnBrk="1" latinLnBrk="1" hangingPunct="1">
+              <a:lnSpc>
+                <a:spcPct val="90000"/>
+              </a:lnSpc>
+              <a:spcBef>
+                <a:spcPts val="500"/>
+              </a:spcBef>
+              <a:buFont typeface="Arial" panose="020B0604020202020204" pitchFamily="34" charset="0"/>
+              <a:buNone/>
+              <a:defRPr sz="1600" kern="1200">
+                <a:solidFill>
+                  <a:schemeClr val="tx1"/>
+                </a:solidFill>
+                <a:latin typeface="+mn-lt"/>
+                <a:ea typeface="+mn-ea"/>
+                <a:cs typeface="+mn-cs"/>
+              </a:defRPr>
+            </a:lvl7pPr>
+            <a:lvl8pPr marL="3200400" indent="0" algn="ctr" defTabSz="914400" rtl="0" eaLnBrk="1" latinLnBrk="1" hangingPunct="1">
+              <a:lnSpc>
+                <a:spcPct val="90000"/>
+              </a:lnSpc>
+              <a:spcBef>
+                <a:spcPts val="500"/>
+              </a:spcBef>
+              <a:buFont typeface="Arial" panose="020B0604020202020204" pitchFamily="34" charset="0"/>
+              <a:buNone/>
+              <a:defRPr sz="1600" kern="1200">
+                <a:solidFill>
+                  <a:schemeClr val="tx1"/>
+                </a:solidFill>
+                <a:latin typeface="+mn-lt"/>
+                <a:ea typeface="+mn-ea"/>
+                <a:cs typeface="+mn-cs"/>
+              </a:defRPr>
+            </a:lvl8pPr>
+            <a:lvl9pPr marL="3657600" indent="0" algn="ctr" defTabSz="914400" rtl="0" eaLnBrk="1" latinLnBrk="1" hangingPunct="1">
+              <a:lnSpc>
+                <a:spcPct val="90000"/>
+              </a:lnSpc>
+              <a:spcBef>
+                <a:spcPts val="500"/>
+              </a:spcBef>
+              <a:buFont typeface="Arial" panose="020B0604020202020204" pitchFamily="34" charset="0"/>
+              <a:buNone/>
+              <a:defRPr sz="1600" kern="1200">
+                <a:solidFill>
+                  <a:schemeClr val="tx1"/>
+                </a:solidFill>
+                <a:latin typeface="+mn-lt"/>
+                <a:ea typeface="+mn-ea"/>
+                <a:cs typeface="+mn-cs"/>
+              </a:defRPr>
+            </a:lvl9pPr>
+          </a:lstStyle>
+          <a:p>
+            <a:pPr marL="457200" indent="-457200" algn="l">
+              <a:buFont typeface="+mj-lt"/>
+              <a:buAutoNum type="arabicPeriod" startAt="3"/>
+            </a:pPr>
+            <a:r>
+              <a:rPr lang="ko-KR" altLang="en-US" sz="2200" dirty="0"/>
+              <a:t>클라이언트 소켓</a:t>
+            </a:r>
+            <a:endParaRPr lang="en-US" altLang="ko-KR" sz="2200" dirty="0"/>
+          </a:p>
+          <a:p>
+            <a:pPr lvl="1" algn="l"/>
+            <a:r>
+              <a:rPr lang="en-US" altLang="ko-KR" dirty="0"/>
+              <a:t>3-1. connect</a:t>
+            </a:r>
+          </a:p>
+          <a:p>
+            <a:pPr lvl="1" algn="l"/>
+            <a:r>
+              <a:rPr lang="en-US" altLang="ko-KR" dirty="0"/>
+              <a:t>3-2. </a:t>
+            </a:r>
+            <a:r>
+              <a:rPr lang="ko-KR" altLang="en-US" dirty="0"/>
+              <a:t>실행 </a:t>
+            </a:r>
+          </a:p>
+        </p:txBody>
+      </p:sp>
     </p:spTree>
     <p:extLst>
       <p:ext uri="{BB962C8B-B14F-4D97-AF65-F5344CB8AC3E}">
@@ -7485,7 +7706,7 @@
           <p:cNvPr id="2" name="제목 1">
             <a:extLst>
               <a:ext uri="{FF2B5EF4-FFF2-40B4-BE49-F238E27FC236}">
-                <a16:creationId xmlns:a16="http://schemas.microsoft.com/office/drawing/2014/main" id="{1B1A485B-87DA-4652-8629-35C834A095E2}"/>
+                <a16:creationId xmlns:a16="http://schemas.microsoft.com/office/drawing/2014/main" id="{11C20D23-BC22-4E2D-ABD7-1AE29079E771}"/>
               </a:ext>
             </a:extLst>
           </p:cNvPr>
@@ -7493,27 +7714,47 @@
             <a:spLocks noGrp="1"/>
           </p:cNvSpPr>
           <p:nvPr>
-            <p:ph type="ctrTitle"/>
+            <p:ph type="title"/>
           </p:nvPr>
         </p:nvSpPr>
         <p:spPr/>
         <p:txBody>
-          <a:bodyPr anchor="ctr"/>
+          <a:bodyPr/>
           <a:lstStyle/>
           <a:p>
             <a:r>
+              <a:rPr lang="en-US" altLang="ko-KR" dirty="0"/>
+              <a:t>3. </a:t>
+            </a:r>
+            <a:r>
               <a:rPr lang="ko-KR" altLang="en-US" dirty="0"/>
-              <a:t>소켓프로그래밍</a:t>
-            </a:r>
+              <a:t>클라이언트 소켓</a:t>
+            </a:r>
+            <a:br>
+              <a:rPr lang="en-US" altLang="ko-KR" dirty="0"/>
+            </a:br>
+            <a:r>
+              <a:rPr lang="en-US" altLang="ko-KR" dirty="0"/>
+              <a:t>3-1. </a:t>
+            </a:r>
+            <a:r>
+              <a:rPr lang="ko-KR" altLang="en-US" dirty="0"/>
+              <a:t>전화 거는 소켓의 구현</a:t>
+            </a:r>
+            <a:r>
+              <a:rPr lang="en-US" altLang="ko-KR" dirty="0"/>
+              <a:t>(connect)</a:t>
+            </a:r>
+            <a:endParaRPr lang="ko-KR" altLang="en-US" dirty="0"/>
           </a:p>
         </p:txBody>
       </p:sp>
       <p:sp>
         <p:nvSpPr>
-          <p:cNvPr id="3" name="부제목 2">
-            <a:extLst>
-              <a:ext uri="{FF2B5EF4-FFF2-40B4-BE49-F238E27FC236}">
-                <a16:creationId xmlns:a16="http://schemas.microsoft.com/office/drawing/2014/main" id="{7E8DA252-8E0D-483C-B1CE-5F40279AE662}"/>
+          <p:cNvPr id="3" name="내용 개체 틀 2">
+            <a:extLst>
+              <a:ext uri="{FF2B5EF4-FFF2-40B4-BE49-F238E27FC236}">
+                <a16:creationId xmlns:a16="http://schemas.microsoft.com/office/drawing/2014/main" id="{B71E00AE-A669-4DCF-B48D-C8BAF485C6F0}"/>
               </a:ext>
             </a:extLst>
           </p:cNvPr>
@@ -7521,67 +7762,63 @@
             <a:spLocks noGrp="1"/>
           </p:cNvSpPr>
           <p:nvPr>
-            <p:ph type="subTitle" idx="1"/>
+            <p:ph idx="1"/>
           </p:nvPr>
         </p:nvSpPr>
-        <p:spPr>
-          <a:xfrm>
-            <a:off x="1643276" y="3602038"/>
-            <a:ext cx="8971716" cy="2076518"/>
-          </a:xfrm>
-        </p:spPr>
+        <p:spPr/>
         <p:txBody>
-          <a:bodyPr>
-            <a:normAutofit/>
-          </a:bodyPr>
+          <a:bodyPr/>
           <a:lstStyle/>
           <a:p>
-            <a:pPr marL="457200" indent="-457200" algn="l">
-              <a:buFont typeface="+mj-lt"/>
-              <a:buAutoNum type="arabicPeriod" startAt="3"/>
-            </a:pPr>
             <a:r>
               <a:rPr lang="ko-KR" altLang="en-US" dirty="0"/>
-              <a:t>클라이언트 소켓</a:t>
+              <a:t>연결을 요청하는 소켓의 구현</a:t>
             </a:r>
             <a:endParaRPr lang="en-US" altLang="ko-KR" dirty="0"/>
           </a:p>
           <a:p>
-            <a:pPr lvl="1" algn="l"/>
-            <a:r>
-              <a:rPr lang="en-US" altLang="ko-KR" dirty="0"/>
-              <a:t>3-1. connect</a:t>
-            </a:r>
-          </a:p>
-          <a:p>
-            <a:pPr lvl="1" algn="l"/>
-            <a:r>
-              <a:rPr lang="en-US" altLang="ko-KR" dirty="0"/>
-              <a:t>3-2. </a:t>
-            </a:r>
+            <a:pPr lvl="1"/>
             <a:r>
               <a:rPr lang="ko-KR" altLang="en-US" dirty="0"/>
-              <a:t>실행 </a:t>
+              <a:t>전화를 거는 상황에 비유</a:t>
+            </a:r>
+            <a:endParaRPr lang="en-US" altLang="ko-KR" dirty="0"/>
+          </a:p>
+          <a:p>
+            <a:pPr lvl="1"/>
+            <a:r>
+              <a:rPr lang="ko-KR" altLang="en-US" dirty="0"/>
+              <a:t>서버 소켓과 달리 구현의 과정이 매우 간단</a:t>
+            </a:r>
+            <a:endParaRPr lang="en-US" altLang="ko-KR" dirty="0"/>
+          </a:p>
+          <a:p>
+            <a:pPr lvl="1"/>
+            <a:r>
+              <a:rPr lang="ko-KR" altLang="en-US" dirty="0"/>
+              <a:t>소켓의 생성과 연결의 요청으로 구분</a:t>
             </a:r>
           </a:p>
         </p:txBody>
       </p:sp>
       <p:cxnSp>
         <p:nvCxnSpPr>
-          <p:cNvPr id="5" name="직선 연결선 4">
-            <a:extLst>
-              <a:ext uri="{FF2B5EF4-FFF2-40B4-BE49-F238E27FC236}">
-                <a16:creationId xmlns:a16="http://schemas.microsoft.com/office/drawing/2014/main" id="{1686E340-5A6F-4CB5-99B6-D65575F77BB7}"/>
-              </a:ext>
-            </a:extLst>
-          </p:cNvPr>
-          <p:cNvCxnSpPr/>
+          <p:cNvPr id="4" name="직선 연결선 3">
+            <a:extLst>
+              <a:ext uri="{FF2B5EF4-FFF2-40B4-BE49-F238E27FC236}">
+                <a16:creationId xmlns:a16="http://schemas.microsoft.com/office/drawing/2014/main" id="{D54BB8FB-7DE7-4AE4-A3B4-4844A66212D1}"/>
+              </a:ext>
+            </a:extLst>
+          </p:cNvPr>
+          <p:cNvCxnSpPr>
+            <a:cxnSpLocks/>
+          </p:cNvCxnSpPr>
           <p:nvPr/>
         </p:nvCxnSpPr>
         <p:spPr>
           <a:xfrm>
-            <a:off x="742122" y="3429000"/>
-            <a:ext cx="10257182" cy="0"/>
+            <a:off x="596348" y="1690688"/>
+            <a:ext cx="11065565" cy="0"/>
           </a:xfrm>
           <a:prstGeom prst="line">
             <a:avLst/>
@@ -7611,20 +7848,22 @@
       </p:cxnSp>
       <p:cxnSp>
         <p:nvCxnSpPr>
-          <p:cNvPr id="7" name="직선 연결선 6">
-            <a:extLst>
-              <a:ext uri="{FF2B5EF4-FFF2-40B4-BE49-F238E27FC236}">
-                <a16:creationId xmlns:a16="http://schemas.microsoft.com/office/drawing/2014/main" id="{8D562DF7-37B9-47E2-B196-5F0DE18BD077}"/>
-              </a:ext>
-            </a:extLst>
-          </p:cNvPr>
-          <p:cNvCxnSpPr/>
+          <p:cNvPr id="5" name="직선 연결선 4">
+            <a:extLst>
+              <a:ext uri="{FF2B5EF4-FFF2-40B4-BE49-F238E27FC236}">
+                <a16:creationId xmlns:a16="http://schemas.microsoft.com/office/drawing/2014/main" id="{DA744C98-AC44-4795-A676-60E97C0A2F11}"/>
+              </a:ext>
+            </a:extLst>
+          </p:cNvPr>
+          <p:cNvCxnSpPr>
+            <a:cxnSpLocks/>
+          </p:cNvCxnSpPr>
           <p:nvPr/>
         </p:nvCxnSpPr>
         <p:spPr>
           <a:xfrm>
-            <a:off x="1391478" y="1484243"/>
-            <a:ext cx="0" cy="2796209"/>
+            <a:off x="742122" y="212035"/>
+            <a:ext cx="0" cy="1749287"/>
           </a:xfrm>
           <a:prstGeom prst="line">
             <a:avLst/>
@@ -7655,20 +7894,22 @@
       </p:cxnSp>
       <p:cxnSp>
         <p:nvCxnSpPr>
-          <p:cNvPr id="8" name="직선 연결선 7">
-            <a:extLst>
-              <a:ext uri="{FF2B5EF4-FFF2-40B4-BE49-F238E27FC236}">
-                <a16:creationId xmlns:a16="http://schemas.microsoft.com/office/drawing/2014/main" id="{8B83D0DD-CCCF-400C-93A1-61D3BA9DF18A}"/>
-              </a:ext>
-            </a:extLst>
-          </p:cNvPr>
-          <p:cNvCxnSpPr/>
+          <p:cNvPr id="14" name="직선 연결선 13">
+            <a:extLst>
+              <a:ext uri="{FF2B5EF4-FFF2-40B4-BE49-F238E27FC236}">
+                <a16:creationId xmlns:a16="http://schemas.microsoft.com/office/drawing/2014/main" id="{ED138112-B018-4958-86C5-871CE2E1BCFD}"/>
+              </a:ext>
+            </a:extLst>
+          </p:cNvPr>
+          <p:cNvCxnSpPr>
+            <a:cxnSpLocks/>
+          </p:cNvCxnSpPr>
           <p:nvPr/>
         </p:nvCxnSpPr>
         <p:spPr>
           <a:xfrm>
-            <a:off x="10807148" y="2882347"/>
-            <a:ext cx="0" cy="2796209"/>
+            <a:off x="11439938" y="1391479"/>
+            <a:ext cx="0" cy="1477619"/>
           </a:xfrm>
           <a:prstGeom prst="line">
             <a:avLst/>
@@ -7697,10 +7938,84 @@
           </a:fontRef>
         </p:style>
       </p:cxnSp>
+      <p:pic>
+        <p:nvPicPr>
+          <p:cNvPr id="6" name="그림 5">
+            <a:extLst>
+              <a:ext uri="{FF2B5EF4-FFF2-40B4-BE49-F238E27FC236}">
+                <a16:creationId xmlns:a16="http://schemas.microsoft.com/office/drawing/2014/main" id="{F4C3E76F-18FB-409F-907C-0CB469C764C4}"/>
+              </a:ext>
+            </a:extLst>
+          </p:cNvPr>
+          <p:cNvPicPr>
+            <a:picLocks noChangeAspect="1"/>
+          </p:cNvPicPr>
+          <p:nvPr/>
+        </p:nvPicPr>
+        <p:blipFill>
+          <a:blip r:embed="rId2"/>
+          <a:stretch>
+            <a:fillRect/>
+          </a:stretch>
+        </p:blipFill>
+        <p:spPr>
+          <a:xfrm>
+            <a:off x="596348" y="3702710"/>
+            <a:ext cx="10562391" cy="597167"/>
+          </a:xfrm>
+          <a:prstGeom prst="rect">
+            <a:avLst/>
+          </a:prstGeom>
+        </p:spPr>
+      </p:pic>
+      <p:pic>
+        <p:nvPicPr>
+          <p:cNvPr id="7" name="그림 6">
+            <a:extLst>
+              <a:ext uri="{FF2B5EF4-FFF2-40B4-BE49-F238E27FC236}">
+                <a16:creationId xmlns:a16="http://schemas.microsoft.com/office/drawing/2014/main" id="{A1E68E38-7CDE-4707-8688-CF404879BB2F}"/>
+              </a:ext>
+            </a:extLst>
+          </p:cNvPr>
+          <p:cNvPicPr>
+            <a:picLocks noChangeAspect="1"/>
+          </p:cNvPicPr>
+          <p:nvPr/>
+        </p:nvPicPr>
+        <p:blipFill>
+          <a:blip r:embed="rId3"/>
+          <a:stretch>
+            <a:fillRect/>
+          </a:stretch>
+        </p:blipFill>
+        <p:spPr>
+          <a:xfrm>
+            <a:off x="596348" y="4648199"/>
+            <a:ext cx="6960062" cy="1663699"/>
+          </a:xfrm>
+          <a:prstGeom prst="rect">
+            <a:avLst/>
+          </a:prstGeom>
+          <a:ln w="38100" cap="sq">
+            <a:solidFill>
+              <a:srgbClr val="000000"/>
+            </a:solidFill>
+            <a:prstDash val="solid"/>
+            <a:miter lim="800000"/>
+          </a:ln>
+          <a:effectLst>
+            <a:outerShdw blurRad="50800" dist="38100" dir="2700000" algn="tl" rotWithShape="0">
+              <a:srgbClr val="000000">
+                <a:alpha val="43000"/>
+              </a:srgbClr>
+            </a:outerShdw>
+          </a:effectLst>
+        </p:spPr>
+      </p:pic>
     </p:spTree>
     <p:extLst>
       <p:ext uri="{BB962C8B-B14F-4D97-AF65-F5344CB8AC3E}">
-        <p14:creationId xmlns:p14="http://schemas.microsoft.com/office/powerpoint/2010/main" val="3262179018"/>
+        <p14:creationId xmlns:p14="http://schemas.microsoft.com/office/powerpoint/2010/main" val="1722468413"/>
       </p:ext>
     </p:extLst>
   </p:cSld>
@@ -7769,61 +8084,9 @@
             </a:r>
             <a:r>
               <a:rPr lang="en-US" altLang="ko-KR" dirty="0"/>
-              <a:t>(connect)</a:t>
+              <a:t> (connect)</a:t>
             </a:r>
             <a:endParaRPr lang="ko-KR" altLang="en-US" dirty="0"/>
-          </a:p>
-        </p:txBody>
-      </p:sp>
-      <p:sp>
-        <p:nvSpPr>
-          <p:cNvPr id="3" name="내용 개체 틀 2">
-            <a:extLst>
-              <a:ext uri="{FF2B5EF4-FFF2-40B4-BE49-F238E27FC236}">
-                <a16:creationId xmlns:a16="http://schemas.microsoft.com/office/drawing/2014/main" id="{B71E00AE-A669-4DCF-B48D-C8BAF485C6F0}"/>
-              </a:ext>
-            </a:extLst>
-          </p:cNvPr>
-          <p:cNvSpPr>
-            <a:spLocks noGrp="1"/>
-          </p:cNvSpPr>
-          <p:nvPr>
-            <p:ph idx="1"/>
-          </p:nvPr>
-        </p:nvSpPr>
-        <p:spPr/>
-        <p:txBody>
-          <a:bodyPr/>
-          <a:lstStyle/>
-          <a:p>
-            <a:r>
-              <a:rPr lang="ko-KR" altLang="en-US" dirty="0"/>
-              <a:t>연결을 요청하는 소켓의 구현</a:t>
-            </a:r>
-            <a:endParaRPr lang="en-US" altLang="ko-KR" dirty="0"/>
-          </a:p>
-          <a:p>
-            <a:pPr lvl="1"/>
-            <a:r>
-              <a:rPr lang="ko-KR" altLang="en-US" dirty="0"/>
-              <a:t>전화를 거는 상황에 비유</a:t>
-            </a:r>
-            <a:endParaRPr lang="en-US" altLang="ko-KR" dirty="0"/>
-          </a:p>
-          <a:p>
-            <a:pPr lvl="1"/>
-            <a:r>
-              <a:rPr lang="ko-KR" altLang="en-US" dirty="0"/>
-              <a:t>서버 소켓과 달리 구현의 과정이 매우 간단</a:t>
-            </a:r>
-            <a:endParaRPr lang="en-US" altLang="ko-KR" dirty="0"/>
-          </a:p>
-          <a:p>
-            <a:pPr lvl="1"/>
-            <a:r>
-              <a:rPr lang="ko-KR" altLang="en-US" dirty="0"/>
-              <a:t>소켓의 생성과 연결의 요청으로 구분</a:t>
-            </a:r>
           </a:p>
         </p:txBody>
       </p:sp>
@@ -7966,17 +8229,19 @@
       </p:cxnSp>
       <p:pic>
         <p:nvPicPr>
-          <p:cNvPr id="6" name="그림 5">
-            <a:extLst>
-              <a:ext uri="{FF2B5EF4-FFF2-40B4-BE49-F238E27FC236}">
-                <a16:creationId xmlns:a16="http://schemas.microsoft.com/office/drawing/2014/main" id="{F4C3E76F-18FB-409F-907C-0CB469C764C4}"/>
+          <p:cNvPr id="7" name="내용 개체 틀 6">
+            <a:extLst>
+              <a:ext uri="{FF2B5EF4-FFF2-40B4-BE49-F238E27FC236}">
+                <a16:creationId xmlns:a16="http://schemas.microsoft.com/office/drawing/2014/main" id="{863658CF-C7FF-4328-A26F-8D45CD534FA9}"/>
               </a:ext>
             </a:extLst>
           </p:cNvPr>
           <p:cNvPicPr>
-            <a:picLocks noChangeAspect="1"/>
+            <a:picLocks noGrp="1" noChangeAspect="1"/>
           </p:cNvPicPr>
-          <p:nvPr/>
+          <p:nvPr>
+            <p:ph idx="1"/>
+          </p:nvPr>
         </p:nvPicPr>
         <p:blipFill>
           <a:blip r:embed="rId2"/>
@@ -7986,8 +8251,8 @@
         </p:blipFill>
         <p:spPr>
           <a:xfrm>
-            <a:off x="596348" y="3702710"/>
-            <a:ext cx="10562391" cy="597167"/>
+            <a:off x="785192" y="1975092"/>
+            <a:ext cx="10773138" cy="609082"/>
           </a:xfrm>
           <a:prstGeom prst="rect">
             <a:avLst/>
@@ -7996,10 +8261,10 @@
       </p:pic>
       <p:pic>
         <p:nvPicPr>
-          <p:cNvPr id="7" name="그림 6">
-            <a:extLst>
-              <a:ext uri="{FF2B5EF4-FFF2-40B4-BE49-F238E27FC236}">
-                <a16:creationId xmlns:a16="http://schemas.microsoft.com/office/drawing/2014/main" id="{A1E68E38-7CDE-4707-8688-CF404879BB2F}"/>
+          <p:cNvPr id="6" name="그림 5">
+            <a:extLst>
+              <a:ext uri="{FF2B5EF4-FFF2-40B4-BE49-F238E27FC236}">
+                <a16:creationId xmlns:a16="http://schemas.microsoft.com/office/drawing/2014/main" id="{D967FFE8-EA2F-4AA4-B850-471B22062740}"/>
               </a:ext>
             </a:extLst>
           </p:cNvPr>
@@ -8016,8 +8281,8 @@
         </p:blipFill>
         <p:spPr>
           <a:xfrm>
-            <a:off x="596348" y="4648199"/>
-            <a:ext cx="6960062" cy="1663699"/>
+            <a:off x="808382" y="2828820"/>
+            <a:ext cx="6958692" cy="1570873"/>
           </a:xfrm>
           <a:prstGeom prst="rect">
             <a:avLst/>
@@ -8038,10 +8303,54 @@
           </a:effectLst>
         </p:spPr>
       </p:pic>
+      <p:pic>
+        <p:nvPicPr>
+          <p:cNvPr id="8" name="그림 7">
+            <a:extLst>
+              <a:ext uri="{FF2B5EF4-FFF2-40B4-BE49-F238E27FC236}">
+                <a16:creationId xmlns:a16="http://schemas.microsoft.com/office/drawing/2014/main" id="{D64CFFF7-954D-420A-A961-7412A0276A8E}"/>
+              </a:ext>
+            </a:extLst>
+          </p:cNvPr>
+          <p:cNvPicPr>
+            <a:picLocks noChangeAspect="1"/>
+          </p:cNvPicPr>
+          <p:nvPr/>
+        </p:nvPicPr>
+        <p:blipFill>
+          <a:blip r:embed="rId4"/>
+          <a:stretch>
+            <a:fillRect/>
+          </a:stretch>
+        </p:blipFill>
+        <p:spPr>
+          <a:xfrm>
+            <a:off x="808381" y="4644339"/>
+            <a:ext cx="6669301" cy="1107104"/>
+          </a:xfrm>
+          <a:prstGeom prst="rect">
+            <a:avLst/>
+          </a:prstGeom>
+          <a:ln w="38100" cap="sq">
+            <a:solidFill>
+              <a:srgbClr val="000000"/>
+            </a:solidFill>
+            <a:prstDash val="solid"/>
+            <a:miter lim="800000"/>
+          </a:ln>
+          <a:effectLst>
+            <a:outerShdw blurRad="50800" dist="38100" dir="2700000" algn="tl" rotWithShape="0">
+              <a:srgbClr val="000000">
+                <a:alpha val="43000"/>
+              </a:srgbClr>
+            </a:outerShdw>
+          </a:effectLst>
+        </p:spPr>
+      </p:pic>
     </p:spTree>
     <p:extLst>
       <p:ext uri="{BB962C8B-B14F-4D97-AF65-F5344CB8AC3E}">
-        <p14:creationId xmlns:p14="http://schemas.microsoft.com/office/powerpoint/2010/main" val="1722468413"/>
+        <p14:creationId xmlns:p14="http://schemas.microsoft.com/office/powerpoint/2010/main" val="1126347760"/>
       </p:ext>
     </p:extLst>
   </p:cSld>
@@ -8116,149 +8425,12 @@
           </a:p>
         </p:txBody>
       </p:sp>
-      <p:cxnSp>
-        <p:nvCxnSpPr>
-          <p:cNvPr id="4" name="직선 연결선 3">
-            <a:extLst>
-              <a:ext uri="{FF2B5EF4-FFF2-40B4-BE49-F238E27FC236}">
-                <a16:creationId xmlns:a16="http://schemas.microsoft.com/office/drawing/2014/main" id="{D54BB8FB-7DE7-4AE4-A3B4-4844A66212D1}"/>
-              </a:ext>
-            </a:extLst>
-          </p:cNvPr>
-          <p:cNvCxnSpPr>
-            <a:cxnSpLocks/>
-          </p:cNvCxnSpPr>
-          <p:nvPr/>
-        </p:nvCxnSpPr>
-        <p:spPr>
-          <a:xfrm>
-            <a:off x="596348" y="1690688"/>
-            <a:ext cx="11065565" cy="0"/>
-          </a:xfrm>
-          <a:prstGeom prst="line">
-            <a:avLst/>
-          </a:prstGeom>
-          <a:ln w="38100">
-            <a:solidFill>
-              <a:schemeClr val="accent6">
-                <a:lumMod val="50000"/>
-              </a:schemeClr>
-            </a:solidFill>
-          </a:ln>
-        </p:spPr>
-        <p:style>
-          <a:lnRef idx="1">
-            <a:schemeClr val="accent1"/>
-          </a:lnRef>
-          <a:fillRef idx="0">
-            <a:schemeClr val="accent1"/>
-          </a:fillRef>
-          <a:effectRef idx="0">
-            <a:schemeClr val="accent1"/>
-          </a:effectRef>
-          <a:fontRef idx="minor">
-            <a:schemeClr val="tx1"/>
-          </a:fontRef>
-        </p:style>
-      </p:cxnSp>
-      <p:cxnSp>
-        <p:nvCxnSpPr>
-          <p:cNvPr id="5" name="직선 연결선 4">
-            <a:extLst>
-              <a:ext uri="{FF2B5EF4-FFF2-40B4-BE49-F238E27FC236}">
-                <a16:creationId xmlns:a16="http://schemas.microsoft.com/office/drawing/2014/main" id="{DA744C98-AC44-4795-A676-60E97C0A2F11}"/>
-              </a:ext>
-            </a:extLst>
-          </p:cNvPr>
-          <p:cNvCxnSpPr>
-            <a:cxnSpLocks/>
-          </p:cNvCxnSpPr>
-          <p:nvPr/>
-        </p:nvCxnSpPr>
-        <p:spPr>
-          <a:xfrm>
-            <a:off x="742122" y="212035"/>
-            <a:ext cx="0" cy="1749287"/>
-          </a:xfrm>
-          <a:prstGeom prst="line">
-            <a:avLst/>
-          </a:prstGeom>
-          <a:ln w="38100">
-            <a:solidFill>
-              <a:schemeClr val="accent6">
-                <a:lumMod val="60000"/>
-                <a:lumOff val="40000"/>
-              </a:schemeClr>
-            </a:solidFill>
-          </a:ln>
-        </p:spPr>
-        <p:style>
-          <a:lnRef idx="1">
-            <a:schemeClr val="accent1"/>
-          </a:lnRef>
-          <a:fillRef idx="0">
-            <a:schemeClr val="accent1"/>
-          </a:fillRef>
-          <a:effectRef idx="0">
-            <a:schemeClr val="accent1"/>
-          </a:effectRef>
-          <a:fontRef idx="minor">
-            <a:schemeClr val="tx1"/>
-          </a:fontRef>
-        </p:style>
-      </p:cxnSp>
-      <p:cxnSp>
-        <p:nvCxnSpPr>
-          <p:cNvPr id="14" name="직선 연결선 13">
-            <a:extLst>
-              <a:ext uri="{FF2B5EF4-FFF2-40B4-BE49-F238E27FC236}">
-                <a16:creationId xmlns:a16="http://schemas.microsoft.com/office/drawing/2014/main" id="{ED138112-B018-4958-86C5-871CE2E1BCFD}"/>
-              </a:ext>
-            </a:extLst>
-          </p:cNvPr>
-          <p:cNvCxnSpPr>
-            <a:cxnSpLocks/>
-          </p:cNvCxnSpPr>
-          <p:nvPr/>
-        </p:nvCxnSpPr>
-        <p:spPr>
-          <a:xfrm>
-            <a:off x="11439938" y="1391479"/>
-            <a:ext cx="0" cy="1477619"/>
-          </a:xfrm>
-          <a:prstGeom prst="line">
-            <a:avLst/>
-          </a:prstGeom>
-          <a:ln w="38100">
-            <a:solidFill>
-              <a:schemeClr val="accent6">
-                <a:lumMod val="60000"/>
-                <a:lumOff val="40000"/>
-              </a:schemeClr>
-            </a:solidFill>
-          </a:ln>
-        </p:spPr>
-        <p:style>
-          <a:lnRef idx="1">
-            <a:schemeClr val="accent1"/>
-          </a:lnRef>
-          <a:fillRef idx="0">
-            <a:schemeClr val="accent1"/>
-          </a:fillRef>
-          <a:effectRef idx="0">
-            <a:schemeClr val="accent1"/>
-          </a:effectRef>
-          <a:fontRef idx="minor">
-            <a:schemeClr val="tx1"/>
-          </a:fontRef>
-        </p:style>
-      </p:cxnSp>
       <p:pic>
         <p:nvPicPr>
-          <p:cNvPr id="7" name="내용 개체 틀 6">
-            <a:extLst>
-              <a:ext uri="{FF2B5EF4-FFF2-40B4-BE49-F238E27FC236}">
-                <a16:creationId xmlns:a16="http://schemas.microsoft.com/office/drawing/2014/main" id="{863658CF-C7FF-4328-A26F-8D45CD534FA9}"/>
+          <p:cNvPr id="6" name="내용 개체 틀 5">
+            <a:extLst>
+              <a:ext uri="{FF2B5EF4-FFF2-40B4-BE49-F238E27FC236}">
+                <a16:creationId xmlns:a16="http://schemas.microsoft.com/office/drawing/2014/main" id="{88527B75-9C6F-458F-8E85-05063E5256AA}"/>
               </a:ext>
             </a:extLst>
           </p:cNvPr>
@@ -8277,106 +8449,155 @@
         </p:blipFill>
         <p:spPr>
           <a:xfrm>
-            <a:off x="785192" y="1975092"/>
-            <a:ext cx="10773138" cy="609082"/>
+            <a:off x="2402991" y="1843040"/>
+            <a:ext cx="7376078" cy="4649835"/>
           </a:xfrm>
           <a:prstGeom prst="rect">
             <a:avLst/>
           </a:prstGeom>
         </p:spPr>
       </p:pic>
-      <p:pic>
-        <p:nvPicPr>
-          <p:cNvPr id="6" name="그림 5">
-            <a:extLst>
-              <a:ext uri="{FF2B5EF4-FFF2-40B4-BE49-F238E27FC236}">
-                <a16:creationId xmlns:a16="http://schemas.microsoft.com/office/drawing/2014/main" id="{D967FFE8-EA2F-4AA4-B850-471B22062740}"/>
-              </a:ext>
-            </a:extLst>
-          </p:cNvPr>
-          <p:cNvPicPr>
-            <a:picLocks noChangeAspect="1"/>
-          </p:cNvPicPr>
+      <p:cxnSp>
+        <p:nvCxnSpPr>
+          <p:cNvPr id="4" name="직선 연결선 3">
+            <a:extLst>
+              <a:ext uri="{FF2B5EF4-FFF2-40B4-BE49-F238E27FC236}">
+                <a16:creationId xmlns:a16="http://schemas.microsoft.com/office/drawing/2014/main" id="{D54BB8FB-7DE7-4AE4-A3B4-4844A66212D1}"/>
+              </a:ext>
+            </a:extLst>
+          </p:cNvPr>
+          <p:cNvCxnSpPr>
+            <a:cxnSpLocks/>
+          </p:cNvCxnSpPr>
           <p:nvPr/>
-        </p:nvPicPr>
-        <p:blipFill>
-          <a:blip r:embed="rId3"/>
-          <a:stretch>
-            <a:fillRect/>
-          </a:stretch>
-        </p:blipFill>
-        <p:spPr>
-          <a:xfrm>
-            <a:off x="808382" y="2828820"/>
-            <a:ext cx="6958692" cy="1570873"/>
-          </a:xfrm>
-          <a:prstGeom prst="rect">
-            <a:avLst/>
-          </a:prstGeom>
-          <a:ln w="38100" cap="sq">
+        </p:nvCxnSpPr>
+        <p:spPr>
+          <a:xfrm>
+            <a:off x="596348" y="1690688"/>
+            <a:ext cx="11065565" cy="0"/>
+          </a:xfrm>
+          <a:prstGeom prst="line">
+            <a:avLst/>
+          </a:prstGeom>
+          <a:ln w="38100">
             <a:solidFill>
-              <a:srgbClr val="000000"/>
+              <a:schemeClr val="accent6">
+                <a:lumMod val="50000"/>
+              </a:schemeClr>
             </a:solidFill>
-            <a:prstDash val="solid"/>
-            <a:miter lim="800000"/>
           </a:ln>
-          <a:effectLst>
-            <a:outerShdw blurRad="50800" dist="38100" dir="2700000" algn="tl" rotWithShape="0">
-              <a:srgbClr val="000000">
-                <a:alpha val="43000"/>
-              </a:srgbClr>
-            </a:outerShdw>
-          </a:effectLst>
-        </p:spPr>
-      </p:pic>
-      <p:pic>
-        <p:nvPicPr>
-          <p:cNvPr id="8" name="그림 7">
-            <a:extLst>
-              <a:ext uri="{FF2B5EF4-FFF2-40B4-BE49-F238E27FC236}">
-                <a16:creationId xmlns:a16="http://schemas.microsoft.com/office/drawing/2014/main" id="{D64CFFF7-954D-420A-A961-7412A0276A8E}"/>
-              </a:ext>
-            </a:extLst>
-          </p:cNvPr>
-          <p:cNvPicPr>
-            <a:picLocks noChangeAspect="1"/>
-          </p:cNvPicPr>
+        </p:spPr>
+        <p:style>
+          <a:lnRef idx="1">
+            <a:schemeClr val="accent1"/>
+          </a:lnRef>
+          <a:fillRef idx="0">
+            <a:schemeClr val="accent1"/>
+          </a:fillRef>
+          <a:effectRef idx="0">
+            <a:schemeClr val="accent1"/>
+          </a:effectRef>
+          <a:fontRef idx="minor">
+            <a:schemeClr val="tx1"/>
+          </a:fontRef>
+        </p:style>
+      </p:cxnSp>
+      <p:cxnSp>
+        <p:nvCxnSpPr>
+          <p:cNvPr id="5" name="직선 연결선 4">
+            <a:extLst>
+              <a:ext uri="{FF2B5EF4-FFF2-40B4-BE49-F238E27FC236}">
+                <a16:creationId xmlns:a16="http://schemas.microsoft.com/office/drawing/2014/main" id="{DA744C98-AC44-4795-A676-60E97C0A2F11}"/>
+              </a:ext>
+            </a:extLst>
+          </p:cNvPr>
+          <p:cNvCxnSpPr>
+            <a:cxnSpLocks/>
+          </p:cNvCxnSpPr>
           <p:nvPr/>
-        </p:nvPicPr>
-        <p:blipFill>
-          <a:blip r:embed="rId4"/>
-          <a:stretch>
-            <a:fillRect/>
-          </a:stretch>
-        </p:blipFill>
-        <p:spPr>
-          <a:xfrm>
-            <a:off x="808381" y="4644339"/>
-            <a:ext cx="6669301" cy="1107104"/>
-          </a:xfrm>
-          <a:prstGeom prst="rect">
-            <a:avLst/>
-          </a:prstGeom>
-          <a:ln w="38100" cap="sq">
+        </p:nvCxnSpPr>
+        <p:spPr>
+          <a:xfrm>
+            <a:off x="742122" y="212035"/>
+            <a:ext cx="0" cy="1749287"/>
+          </a:xfrm>
+          <a:prstGeom prst="line">
+            <a:avLst/>
+          </a:prstGeom>
+          <a:ln w="38100">
             <a:solidFill>
-              <a:srgbClr val="000000"/>
+              <a:schemeClr val="accent6">
+                <a:lumMod val="60000"/>
+                <a:lumOff val="40000"/>
+              </a:schemeClr>
             </a:solidFill>
-            <a:prstDash val="solid"/>
-            <a:miter lim="800000"/>
           </a:ln>
-          <a:effectLst>
-            <a:outerShdw blurRad="50800" dist="38100" dir="2700000" algn="tl" rotWithShape="0">
-              <a:srgbClr val="000000">
-                <a:alpha val="43000"/>
-              </a:srgbClr>
-            </a:outerShdw>
-          </a:effectLst>
-        </p:spPr>
-      </p:pic>
+        </p:spPr>
+        <p:style>
+          <a:lnRef idx="1">
+            <a:schemeClr val="accent1"/>
+          </a:lnRef>
+          <a:fillRef idx="0">
+            <a:schemeClr val="accent1"/>
+          </a:fillRef>
+          <a:effectRef idx="0">
+            <a:schemeClr val="accent1"/>
+          </a:effectRef>
+          <a:fontRef idx="minor">
+            <a:schemeClr val="tx1"/>
+          </a:fontRef>
+        </p:style>
+      </p:cxnSp>
+      <p:cxnSp>
+        <p:nvCxnSpPr>
+          <p:cNvPr id="14" name="직선 연결선 13">
+            <a:extLst>
+              <a:ext uri="{FF2B5EF4-FFF2-40B4-BE49-F238E27FC236}">
+                <a16:creationId xmlns:a16="http://schemas.microsoft.com/office/drawing/2014/main" id="{ED138112-B018-4958-86C5-871CE2E1BCFD}"/>
+              </a:ext>
+            </a:extLst>
+          </p:cNvPr>
+          <p:cNvCxnSpPr>
+            <a:cxnSpLocks/>
+          </p:cNvCxnSpPr>
+          <p:nvPr/>
+        </p:nvCxnSpPr>
+        <p:spPr>
+          <a:xfrm>
+            <a:off x="11439938" y="1391479"/>
+            <a:ext cx="0" cy="1477619"/>
+          </a:xfrm>
+          <a:prstGeom prst="line">
+            <a:avLst/>
+          </a:prstGeom>
+          <a:ln w="38100">
+            <a:solidFill>
+              <a:schemeClr val="accent6">
+                <a:lumMod val="60000"/>
+                <a:lumOff val="40000"/>
+              </a:schemeClr>
+            </a:solidFill>
+          </a:ln>
+        </p:spPr>
+        <p:style>
+          <a:lnRef idx="1">
+            <a:schemeClr val="accent1"/>
+          </a:lnRef>
+          <a:fillRef idx="0">
+            <a:schemeClr val="accent1"/>
+          </a:fillRef>
+          <a:effectRef idx="0">
+            <a:schemeClr val="accent1"/>
+          </a:effectRef>
+          <a:fontRef idx="minor">
+            <a:schemeClr val="tx1"/>
+          </a:fontRef>
+        </p:style>
+      </p:cxnSp>
     </p:spTree>
     <p:extLst>
       <p:ext uri="{BB962C8B-B14F-4D97-AF65-F5344CB8AC3E}">
-        <p14:creationId xmlns:p14="http://schemas.microsoft.com/office/powerpoint/2010/main" val="1126347760"/>
+        <p14:creationId xmlns:p14="http://schemas.microsoft.com/office/powerpoint/2010/main" val="653719609"/>
       </p:ext>
     </p:extLst>
   </p:cSld>
@@ -8456,7 +8677,7 @@
           <p:cNvPr id="6" name="내용 개체 틀 5">
             <a:extLst>
               <a:ext uri="{FF2B5EF4-FFF2-40B4-BE49-F238E27FC236}">
-                <a16:creationId xmlns:a16="http://schemas.microsoft.com/office/drawing/2014/main" id="{88527B75-9C6F-458F-8E85-05063E5256AA}"/>
+                <a16:creationId xmlns:a16="http://schemas.microsoft.com/office/drawing/2014/main" id="{A4CD6368-0EA5-4485-B8C4-82CD662E52E7}"/>
               </a:ext>
             </a:extLst>
           </p:cNvPr>
@@ -8475,8 +8696,8 @@
         </p:blipFill>
         <p:spPr>
           <a:xfrm>
-            <a:off x="2402991" y="1843040"/>
-            <a:ext cx="7376078" cy="4649835"/>
+            <a:off x="866806" y="2035660"/>
+            <a:ext cx="10351158" cy="2986913"/>
           </a:xfrm>
           <a:prstGeom prst="rect">
             <a:avLst/>
@@ -8623,7 +8844,7 @@
     </p:spTree>
     <p:extLst>
       <p:ext uri="{BB962C8B-B14F-4D97-AF65-F5344CB8AC3E}">
-        <p14:creationId xmlns:p14="http://schemas.microsoft.com/office/powerpoint/2010/main" val="653719609"/>
+        <p14:creationId xmlns:p14="http://schemas.microsoft.com/office/powerpoint/2010/main" val="3362699333"/>
       </p:ext>
     </p:extLst>
   </p:cSld>
@@ -8672,253 +8893,6 @@
           <a:lstStyle/>
           <a:p>
             <a:r>
-              <a:rPr lang="en-US" altLang="ko-KR" dirty="0"/>
-              <a:t>3. </a:t>
-            </a:r>
-            <a:r>
-              <a:rPr lang="ko-KR" altLang="en-US" dirty="0"/>
-              <a:t>클라이언트 소켓</a:t>
-            </a:r>
-            <a:br>
-              <a:rPr lang="en-US" altLang="ko-KR" dirty="0"/>
-            </a:br>
-            <a:r>
-              <a:rPr lang="en-US" altLang="ko-KR" dirty="0"/>
-              <a:t>3-1. </a:t>
-            </a:r>
-            <a:r>
-              <a:rPr lang="ko-KR" altLang="en-US" dirty="0"/>
-              <a:t>전화 거는 소켓의 구현</a:t>
-            </a:r>
-            <a:r>
-              <a:rPr lang="en-US" altLang="ko-KR" dirty="0"/>
-              <a:t> (connect)</a:t>
-            </a:r>
-            <a:endParaRPr lang="ko-KR" altLang="en-US" dirty="0"/>
-          </a:p>
-        </p:txBody>
-      </p:sp>
-      <p:pic>
-        <p:nvPicPr>
-          <p:cNvPr id="6" name="내용 개체 틀 5">
-            <a:extLst>
-              <a:ext uri="{FF2B5EF4-FFF2-40B4-BE49-F238E27FC236}">
-                <a16:creationId xmlns:a16="http://schemas.microsoft.com/office/drawing/2014/main" id="{A4CD6368-0EA5-4485-B8C4-82CD662E52E7}"/>
-              </a:ext>
-            </a:extLst>
-          </p:cNvPr>
-          <p:cNvPicPr>
-            <a:picLocks noGrp="1" noChangeAspect="1"/>
-          </p:cNvPicPr>
-          <p:nvPr>
-            <p:ph idx="1"/>
-          </p:nvPr>
-        </p:nvPicPr>
-        <p:blipFill>
-          <a:blip r:embed="rId2"/>
-          <a:stretch>
-            <a:fillRect/>
-          </a:stretch>
-        </p:blipFill>
-        <p:spPr>
-          <a:xfrm>
-            <a:off x="866806" y="2035660"/>
-            <a:ext cx="10351158" cy="2986913"/>
-          </a:xfrm>
-          <a:prstGeom prst="rect">
-            <a:avLst/>
-          </a:prstGeom>
-        </p:spPr>
-      </p:pic>
-      <p:cxnSp>
-        <p:nvCxnSpPr>
-          <p:cNvPr id="4" name="직선 연결선 3">
-            <a:extLst>
-              <a:ext uri="{FF2B5EF4-FFF2-40B4-BE49-F238E27FC236}">
-                <a16:creationId xmlns:a16="http://schemas.microsoft.com/office/drawing/2014/main" id="{D54BB8FB-7DE7-4AE4-A3B4-4844A66212D1}"/>
-              </a:ext>
-            </a:extLst>
-          </p:cNvPr>
-          <p:cNvCxnSpPr>
-            <a:cxnSpLocks/>
-          </p:cNvCxnSpPr>
-          <p:nvPr/>
-        </p:nvCxnSpPr>
-        <p:spPr>
-          <a:xfrm>
-            <a:off x="596348" y="1690688"/>
-            <a:ext cx="11065565" cy="0"/>
-          </a:xfrm>
-          <a:prstGeom prst="line">
-            <a:avLst/>
-          </a:prstGeom>
-          <a:ln w="38100">
-            <a:solidFill>
-              <a:schemeClr val="accent6">
-                <a:lumMod val="50000"/>
-              </a:schemeClr>
-            </a:solidFill>
-          </a:ln>
-        </p:spPr>
-        <p:style>
-          <a:lnRef idx="1">
-            <a:schemeClr val="accent1"/>
-          </a:lnRef>
-          <a:fillRef idx="0">
-            <a:schemeClr val="accent1"/>
-          </a:fillRef>
-          <a:effectRef idx="0">
-            <a:schemeClr val="accent1"/>
-          </a:effectRef>
-          <a:fontRef idx="minor">
-            <a:schemeClr val="tx1"/>
-          </a:fontRef>
-        </p:style>
-      </p:cxnSp>
-      <p:cxnSp>
-        <p:nvCxnSpPr>
-          <p:cNvPr id="5" name="직선 연결선 4">
-            <a:extLst>
-              <a:ext uri="{FF2B5EF4-FFF2-40B4-BE49-F238E27FC236}">
-                <a16:creationId xmlns:a16="http://schemas.microsoft.com/office/drawing/2014/main" id="{DA744C98-AC44-4795-A676-60E97C0A2F11}"/>
-              </a:ext>
-            </a:extLst>
-          </p:cNvPr>
-          <p:cNvCxnSpPr>
-            <a:cxnSpLocks/>
-          </p:cNvCxnSpPr>
-          <p:nvPr/>
-        </p:nvCxnSpPr>
-        <p:spPr>
-          <a:xfrm>
-            <a:off x="742122" y="212035"/>
-            <a:ext cx="0" cy="1749287"/>
-          </a:xfrm>
-          <a:prstGeom prst="line">
-            <a:avLst/>
-          </a:prstGeom>
-          <a:ln w="38100">
-            <a:solidFill>
-              <a:schemeClr val="accent6">
-                <a:lumMod val="60000"/>
-                <a:lumOff val="40000"/>
-              </a:schemeClr>
-            </a:solidFill>
-          </a:ln>
-        </p:spPr>
-        <p:style>
-          <a:lnRef idx="1">
-            <a:schemeClr val="accent1"/>
-          </a:lnRef>
-          <a:fillRef idx="0">
-            <a:schemeClr val="accent1"/>
-          </a:fillRef>
-          <a:effectRef idx="0">
-            <a:schemeClr val="accent1"/>
-          </a:effectRef>
-          <a:fontRef idx="minor">
-            <a:schemeClr val="tx1"/>
-          </a:fontRef>
-        </p:style>
-      </p:cxnSp>
-      <p:cxnSp>
-        <p:nvCxnSpPr>
-          <p:cNvPr id="14" name="직선 연결선 13">
-            <a:extLst>
-              <a:ext uri="{FF2B5EF4-FFF2-40B4-BE49-F238E27FC236}">
-                <a16:creationId xmlns:a16="http://schemas.microsoft.com/office/drawing/2014/main" id="{ED138112-B018-4958-86C5-871CE2E1BCFD}"/>
-              </a:ext>
-            </a:extLst>
-          </p:cNvPr>
-          <p:cNvCxnSpPr>
-            <a:cxnSpLocks/>
-          </p:cNvCxnSpPr>
-          <p:nvPr/>
-        </p:nvCxnSpPr>
-        <p:spPr>
-          <a:xfrm>
-            <a:off x="11439938" y="1391479"/>
-            <a:ext cx="0" cy="1477619"/>
-          </a:xfrm>
-          <a:prstGeom prst="line">
-            <a:avLst/>
-          </a:prstGeom>
-          <a:ln w="38100">
-            <a:solidFill>
-              <a:schemeClr val="accent6">
-                <a:lumMod val="60000"/>
-                <a:lumOff val="40000"/>
-              </a:schemeClr>
-            </a:solidFill>
-          </a:ln>
-        </p:spPr>
-        <p:style>
-          <a:lnRef idx="1">
-            <a:schemeClr val="accent1"/>
-          </a:lnRef>
-          <a:fillRef idx="0">
-            <a:schemeClr val="accent1"/>
-          </a:fillRef>
-          <a:effectRef idx="0">
-            <a:schemeClr val="accent1"/>
-          </a:effectRef>
-          <a:fontRef idx="minor">
-            <a:schemeClr val="tx1"/>
-          </a:fontRef>
-        </p:style>
-      </p:cxnSp>
-    </p:spTree>
-    <p:extLst>
-      <p:ext uri="{BB962C8B-B14F-4D97-AF65-F5344CB8AC3E}">
-        <p14:creationId xmlns:p14="http://schemas.microsoft.com/office/powerpoint/2010/main" val="3362699333"/>
-      </p:ext>
-    </p:extLst>
-  </p:cSld>
-  <p:clrMapOvr>
-    <a:masterClrMapping/>
-  </p:clrMapOvr>
-</p:sld>
-</file>
-
-<file path=ppt/slides/slide27.xml><?xml version="1.0" encoding="utf-8"?>
-<p:sld xmlns:a="http://schemas.openxmlformats.org/drawingml/2006/main" xmlns:r="http://schemas.openxmlformats.org/officeDocument/2006/relationships" xmlns:p="http://schemas.openxmlformats.org/presentationml/2006/main">
-  <p:cSld>
-    <p:spTree>
-      <p:nvGrpSpPr>
-        <p:cNvPr id="1" name=""/>
-        <p:cNvGrpSpPr/>
-        <p:nvPr/>
-      </p:nvGrpSpPr>
-      <p:grpSpPr>
-        <a:xfrm>
-          <a:off x="0" y="0"/>
-          <a:ext cx="0" cy="0"/>
-          <a:chOff x="0" y="0"/>
-          <a:chExt cx="0" cy="0"/>
-        </a:xfrm>
-      </p:grpSpPr>
-      <p:sp>
-        <p:nvSpPr>
-          <p:cNvPr id="2" name="제목 1">
-            <a:extLst>
-              <a:ext uri="{FF2B5EF4-FFF2-40B4-BE49-F238E27FC236}">
-                <a16:creationId xmlns:a16="http://schemas.microsoft.com/office/drawing/2014/main" id="{11C20D23-BC22-4E2D-ABD7-1AE29079E771}"/>
-              </a:ext>
-            </a:extLst>
-          </p:cNvPr>
-          <p:cNvSpPr>
-            <a:spLocks noGrp="1"/>
-          </p:cNvSpPr>
-          <p:nvPr>
-            <p:ph type="title"/>
-          </p:nvPr>
-        </p:nvSpPr>
-        <p:spPr/>
-        <p:txBody>
-          <a:bodyPr/>
-          <a:lstStyle/>
-          <a:p>
-            <a:r>
               <a:rPr lang="ko-KR" altLang="en-US" dirty="0"/>
               <a:t>실행 결과</a:t>
             </a:r>
@@ -9382,7 +9356,7 @@
 </p:sld>
 </file>
 
-<file path=ppt/slides/slide28.xml><?xml version="1.0" encoding="utf-8"?>
+<file path=ppt/slides/slide27.xml><?xml version="1.0" encoding="utf-8"?>
 <p:sld xmlns:a="http://schemas.openxmlformats.org/drawingml/2006/main" xmlns:r="http://schemas.openxmlformats.org/officeDocument/2006/relationships" xmlns:p="http://schemas.openxmlformats.org/presentationml/2006/main">
   <p:cSld>
     <p:spTree>

--- a/소켓프로그래밍-1.pptx
+++ b/소켓프로그래밍-1.pptx
@@ -3811,6 +3811,148 @@
           </a:p>
         </p:txBody>
       </p:sp>
+      <p:sp>
+        <p:nvSpPr>
+          <p:cNvPr id="10" name="TextBox 13">
+            <a:extLst>
+              <a:ext uri="{FF2B5EF4-FFF2-40B4-BE49-F238E27FC236}">
+                <a16:creationId xmlns:a16="http://schemas.microsoft.com/office/drawing/2014/main" id="{506992F9-3954-4AB1-ADA5-1A5EF6AE67AC}"/>
+              </a:ext>
+            </a:extLst>
+          </p:cNvPr>
+          <p:cNvSpPr txBox="1"/>
+          <p:nvPr/>
+        </p:nvSpPr>
+        <p:spPr>
+          <a:xfrm>
+            <a:off x="9540512" y="453207"/>
+            <a:ext cx="2533271" cy="577081"/>
+          </a:xfrm>
+          <a:prstGeom prst="rect">
+            <a:avLst/>
+          </a:prstGeom>
+          <a:noFill/>
+        </p:spPr>
+        <p:txBody>
+          <a:bodyPr wrap="square" rtlCol="0">
+            <a:spAutoFit/>
+          </a:bodyPr>
+          <a:lstStyle>
+            <a:defPPr>
+              <a:defRPr lang="ko-KR"/>
+            </a:defPPr>
+            <a:lvl1pPr marL="0" algn="l" defTabSz="914400" rtl="0" eaLnBrk="1" latinLnBrk="1" hangingPunct="1">
+              <a:defRPr sz="1800" kern="1200">
+                <a:solidFill>
+                  <a:schemeClr val="tx1"/>
+                </a:solidFill>
+                <a:latin typeface="+mn-lt"/>
+                <a:ea typeface="+mn-ea"/>
+                <a:cs typeface="+mn-cs"/>
+              </a:defRPr>
+            </a:lvl1pPr>
+            <a:lvl2pPr marL="457200" algn="l" defTabSz="914400" rtl="0" eaLnBrk="1" latinLnBrk="1" hangingPunct="1">
+              <a:defRPr sz="1800" kern="1200">
+                <a:solidFill>
+                  <a:schemeClr val="tx1"/>
+                </a:solidFill>
+                <a:latin typeface="+mn-lt"/>
+                <a:ea typeface="+mn-ea"/>
+                <a:cs typeface="+mn-cs"/>
+              </a:defRPr>
+            </a:lvl2pPr>
+            <a:lvl3pPr marL="914400" algn="l" defTabSz="914400" rtl="0" eaLnBrk="1" latinLnBrk="1" hangingPunct="1">
+              <a:defRPr sz="1800" kern="1200">
+                <a:solidFill>
+                  <a:schemeClr val="tx1"/>
+                </a:solidFill>
+                <a:latin typeface="+mn-lt"/>
+                <a:ea typeface="+mn-ea"/>
+                <a:cs typeface="+mn-cs"/>
+              </a:defRPr>
+            </a:lvl3pPr>
+            <a:lvl4pPr marL="1371600" algn="l" defTabSz="914400" rtl="0" eaLnBrk="1" latinLnBrk="1" hangingPunct="1">
+              <a:defRPr sz="1800" kern="1200">
+                <a:solidFill>
+                  <a:schemeClr val="tx1"/>
+                </a:solidFill>
+                <a:latin typeface="+mn-lt"/>
+                <a:ea typeface="+mn-ea"/>
+                <a:cs typeface="+mn-cs"/>
+              </a:defRPr>
+            </a:lvl4pPr>
+            <a:lvl5pPr marL="1828800" algn="l" defTabSz="914400" rtl="0" eaLnBrk="1" latinLnBrk="1" hangingPunct="1">
+              <a:defRPr sz="1800" kern="1200">
+                <a:solidFill>
+                  <a:schemeClr val="tx1"/>
+                </a:solidFill>
+                <a:latin typeface="+mn-lt"/>
+                <a:ea typeface="+mn-ea"/>
+                <a:cs typeface="+mn-cs"/>
+              </a:defRPr>
+            </a:lvl5pPr>
+            <a:lvl6pPr marL="2286000" algn="l" defTabSz="914400" rtl="0" eaLnBrk="1" latinLnBrk="1" hangingPunct="1">
+              <a:defRPr sz="1800" kern="1200">
+                <a:solidFill>
+                  <a:schemeClr val="tx1"/>
+                </a:solidFill>
+                <a:latin typeface="+mn-lt"/>
+                <a:ea typeface="+mn-ea"/>
+                <a:cs typeface="+mn-cs"/>
+              </a:defRPr>
+            </a:lvl6pPr>
+            <a:lvl7pPr marL="2743200" algn="l" defTabSz="914400" rtl="0" eaLnBrk="1" latinLnBrk="1" hangingPunct="1">
+              <a:defRPr sz="1800" kern="1200">
+                <a:solidFill>
+                  <a:schemeClr val="tx1"/>
+                </a:solidFill>
+                <a:latin typeface="+mn-lt"/>
+                <a:ea typeface="+mn-ea"/>
+                <a:cs typeface="+mn-cs"/>
+              </a:defRPr>
+            </a:lvl7pPr>
+            <a:lvl8pPr marL="3200400" algn="l" defTabSz="914400" rtl="0" eaLnBrk="1" latinLnBrk="1" hangingPunct="1">
+              <a:defRPr sz="1800" kern="1200">
+                <a:solidFill>
+                  <a:schemeClr val="tx1"/>
+                </a:solidFill>
+                <a:latin typeface="+mn-lt"/>
+                <a:ea typeface="+mn-ea"/>
+                <a:cs typeface="+mn-cs"/>
+              </a:defRPr>
+            </a:lvl8pPr>
+            <a:lvl9pPr marL="3657600" algn="l" defTabSz="914400" rtl="0" eaLnBrk="1" latinLnBrk="1" hangingPunct="1">
+              <a:defRPr sz="1800" kern="1200">
+                <a:solidFill>
+                  <a:schemeClr val="tx1"/>
+                </a:solidFill>
+                <a:latin typeface="+mn-lt"/>
+                <a:ea typeface="+mn-ea"/>
+                <a:cs typeface="+mn-cs"/>
+              </a:defRPr>
+            </a:lvl9pPr>
+          </a:lstStyle>
+          <a:p>
+            <a:r>
+              <a:rPr lang="en-US" altLang="ko-KR" sz="1050" dirty="0"/>
+              <a:t>Ansan Technical High School</a:t>
+            </a:r>
+          </a:p>
+          <a:p>
+            <a:r>
+              <a:rPr lang="en-US" altLang="ko-KR" sz="1050" dirty="0"/>
+              <a:t>Dept. Computer</a:t>
+            </a:r>
+          </a:p>
+          <a:p>
+            <a:r>
+              <a:rPr lang="en-US" altLang="ko-KR" sz="1050" dirty="0"/>
+              <a:t>Made by kig2929kig@gmail.com</a:t>
+            </a:r>
+            <a:endParaRPr lang="ko-KR" altLang="en-US" sz="1050" dirty="0"/>
+          </a:p>
+        </p:txBody>
+      </p:sp>
     </p:spTree>
     <p:extLst>
       <p:ext uri="{BB962C8B-B14F-4D97-AF65-F5344CB8AC3E}">
